--- a/PPT/MachineLearning25-Keras.pptx
+++ b/PPT/MachineLearning25-Keras.pptx
@@ -3918,6 +3918,13 @@
   <p:clrMapOvr>
     <a:masterClrMapping/>
   </p:clrMapOvr>
+  <p:timing>
+    <p:tnLst>
+      <p:par>
+        <p:cTn id="1" dur="indefinite" restart="never" nodeType="tmRoot"/>
+      </p:par>
+    </p:tnLst>
+  </p:timing>
 </p:sld>
 </file>
 
@@ -4078,6 +4085,13 @@
   <p:clrMapOvr>
     <a:masterClrMapping/>
   </p:clrMapOvr>
+  <p:timing>
+    <p:tnLst>
+      <p:par>
+        <p:cTn id="1" dur="indefinite" restart="never" nodeType="tmRoot"/>
+      </p:par>
+    </p:tnLst>
+  </p:timing>
 </p:sld>
 </file>
 
@@ -4210,6 +4224,13 @@
   <p:clrMapOvr>
     <a:masterClrMapping/>
   </p:clrMapOvr>
+  <p:timing>
+    <p:tnLst>
+      <p:par>
+        <p:cTn id="1" dur="indefinite" restart="never" nodeType="tmRoot"/>
+      </p:par>
+    </p:tnLst>
+  </p:timing>
 </p:sld>
 </file>
 
@@ -4372,6 +4393,13 @@
   <p:clrMapOvr>
     <a:masterClrMapping/>
   </p:clrMapOvr>
+  <p:timing>
+    <p:tnLst>
+      <p:par>
+        <p:cTn id="1" dur="indefinite" restart="never" nodeType="tmRoot"/>
+      </p:par>
+    </p:tnLst>
+  </p:timing>
 </p:sld>
 </file>
 
@@ -4533,6 +4561,13 @@
   <p:clrMapOvr>
     <a:masterClrMapping/>
   </p:clrMapOvr>
+  <p:timing>
+    <p:tnLst>
+      <p:par>
+        <p:cTn id="1" dur="indefinite" restart="never" nodeType="tmRoot"/>
+      </p:par>
+    </p:tnLst>
+  </p:timing>
 </p:sld>
 </file>
 
@@ -4784,6 +4819,13 @@
   <p:clrMapOvr>
     <a:masterClrMapping/>
   </p:clrMapOvr>
+  <p:timing>
+    <p:tnLst>
+      <p:par>
+        <p:cTn id="1" dur="indefinite" restart="never" nodeType="tmRoot"/>
+      </p:par>
+    </p:tnLst>
+  </p:timing>
 </p:sld>
 </file>
 
@@ -4895,11 +4937,15 @@
             </a:r>
             <a:r>
               <a:rPr lang="fr-FR" dirty="0" smtClean="0"/>
-              <a:t> (</a:t>
+              <a:t> </a:t>
+            </a:r>
+            <a:r>
+              <a:rPr lang="fr-FR" dirty="0" smtClean="0"/>
+              <a:t>(</a:t>
             </a:r>
             <a:r>
               <a:rPr lang="fr-FR" dirty="0" err="1" smtClean="0"/>
-              <a:t>Recursive</a:t>
+              <a:t>Recurrent</a:t>
             </a:r>
             <a:r>
               <a:rPr lang="fr-FR" dirty="0" smtClean="0"/>
@@ -4946,6 +4992,13 @@
   <p:clrMapOvr>
     <a:masterClrMapping/>
   </p:clrMapOvr>
+  <p:timing>
+    <p:tnLst>
+      <p:par>
+        <p:cTn id="1" dur="indefinite" restart="never" nodeType="tmRoot"/>
+      </p:par>
+    </p:tnLst>
+  </p:timing>
 </p:sld>
 </file>
 
@@ -5082,6 +5135,13 @@
   <p:clrMapOvr>
     <a:masterClrMapping/>
   </p:clrMapOvr>
+  <p:timing>
+    <p:tnLst>
+      <p:par>
+        <p:cTn id="1" dur="indefinite" restart="never" nodeType="tmRoot"/>
+      </p:par>
+    </p:tnLst>
+  </p:timing>
 </p:sld>
 </file>
 
@@ -5398,6 +5458,13 @@
   <p:clrMapOvr>
     <a:masterClrMapping/>
   </p:clrMapOvr>
+  <p:timing>
+    <p:tnLst>
+      <p:par>
+        <p:cTn id="1" dur="indefinite" restart="never" nodeType="tmRoot"/>
+      </p:par>
+    </p:tnLst>
+  </p:timing>
 </p:sld>
 </file>
 
@@ -5662,6 +5729,13 @@
   <p:clrMapOvr>
     <a:masterClrMapping/>
   </p:clrMapOvr>
+  <p:timing>
+    <p:tnLst>
+      <p:par>
+        <p:cTn id="1" dur="indefinite" restart="never" nodeType="tmRoot"/>
+      </p:par>
+    </p:tnLst>
+  </p:timing>
 </p:sld>
 </file>
 
@@ -5787,16 +5861,12 @@
               <a:t>=10, </a:t>
             </a:r>
             <a:r>
-              <a:rPr lang="fr-FR" dirty="0" err="1"/>
+              <a:rPr lang="fr-FR" dirty="0" err="1" smtClean="0"/>
               <a:t>steps_per_epoch</a:t>
             </a:r>
             <a:r>
-              <a:rPr lang="fr-FR" dirty="0"/>
-              <a:t>=30</a:t>
-            </a:r>
-            <a:r>
-              <a:rPr lang="fr-FR" dirty="0" smtClean="0"/>
-              <a:t>)</a:t>
+              <a:rPr lang="fr-FR" dirty="0" smtClean="0"/>
+              <a:t>=30)</a:t>
             </a:r>
             <a:endParaRPr lang="fr-FR" dirty="0"/>
           </a:p>
@@ -5844,6 +5914,13 @@
   <p:clrMapOvr>
     <a:masterClrMapping/>
   </p:clrMapOvr>
+  <p:timing>
+    <p:tnLst>
+      <p:par>
+        <p:cTn id="1" dur="indefinite" restart="never" nodeType="tmRoot"/>
+      </p:par>
+    </p:tnLst>
+  </p:timing>
 </p:sld>
 </file>
 
@@ -5952,6 +6029,13 @@
   <p:clrMapOvr>
     <a:masterClrMapping/>
   </p:clrMapOvr>
+  <p:timing>
+    <p:tnLst>
+      <p:par>
+        <p:cTn id="1" dur="indefinite" restart="never" nodeType="tmRoot"/>
+      </p:par>
+    </p:tnLst>
+  </p:timing>
 </p:sld>
 </file>
 
@@ -6076,6 +6160,13 @@
   <p:clrMapOvr>
     <a:masterClrMapping/>
   </p:clrMapOvr>
+  <p:timing>
+    <p:tnLst>
+      <p:par>
+        <p:cTn id="1" dur="indefinite" restart="never" nodeType="tmRoot"/>
+      </p:par>
+    </p:tnLst>
+  </p:timing>
 </p:sld>
 </file>
 
